--- a/doc/通俗理解概率矩阵分解原理.pptx
+++ b/doc/通俗理解概率矩阵分解原理.pptx
@@ -255,7 +255,7 @@
           <a:p>
             <a:fld id="{8F71C47B-E2B0-42E0-9FD2-AF7EE24ADE77}" type="datetimeFigureOut">
               <a:rPr lang="zh-CN" altLang="en-US" smtClean="0"/>
-              <a:t>2017/4/13</a:t>
+              <a:t>2017/4/27</a:t>
             </a:fld>
             <a:endParaRPr lang="zh-CN" altLang="en-US"/>
           </a:p>
@@ -425,7 +425,7 @@
           <a:p>
             <a:fld id="{8F71C47B-E2B0-42E0-9FD2-AF7EE24ADE77}" type="datetimeFigureOut">
               <a:rPr lang="zh-CN" altLang="en-US" smtClean="0"/>
-              <a:t>2017/4/13</a:t>
+              <a:t>2017/4/27</a:t>
             </a:fld>
             <a:endParaRPr lang="zh-CN" altLang="en-US"/>
           </a:p>
@@ -605,7 +605,7 @@
           <a:p>
             <a:fld id="{8F71C47B-E2B0-42E0-9FD2-AF7EE24ADE77}" type="datetimeFigureOut">
               <a:rPr lang="zh-CN" altLang="en-US" smtClean="0"/>
-              <a:t>2017/4/13</a:t>
+              <a:t>2017/4/27</a:t>
             </a:fld>
             <a:endParaRPr lang="zh-CN" altLang="en-US"/>
           </a:p>
@@ -775,7 +775,7 @@
           <a:p>
             <a:fld id="{8F71C47B-E2B0-42E0-9FD2-AF7EE24ADE77}" type="datetimeFigureOut">
               <a:rPr lang="zh-CN" altLang="en-US" smtClean="0"/>
-              <a:t>2017/4/13</a:t>
+              <a:t>2017/4/27</a:t>
             </a:fld>
             <a:endParaRPr lang="zh-CN" altLang="en-US"/>
           </a:p>
@@ -1021,7 +1021,7 @@
           <a:p>
             <a:fld id="{8F71C47B-E2B0-42E0-9FD2-AF7EE24ADE77}" type="datetimeFigureOut">
               <a:rPr lang="zh-CN" altLang="en-US" smtClean="0"/>
-              <a:t>2017/4/13</a:t>
+              <a:t>2017/4/27</a:t>
             </a:fld>
             <a:endParaRPr lang="zh-CN" altLang="en-US"/>
           </a:p>
@@ -1253,7 +1253,7 @@
           <a:p>
             <a:fld id="{8F71C47B-E2B0-42E0-9FD2-AF7EE24ADE77}" type="datetimeFigureOut">
               <a:rPr lang="zh-CN" altLang="en-US" smtClean="0"/>
-              <a:t>2017/4/13</a:t>
+              <a:t>2017/4/27</a:t>
             </a:fld>
             <a:endParaRPr lang="zh-CN" altLang="en-US"/>
           </a:p>
@@ -1620,7 +1620,7 @@
           <a:p>
             <a:fld id="{8F71C47B-E2B0-42E0-9FD2-AF7EE24ADE77}" type="datetimeFigureOut">
               <a:rPr lang="zh-CN" altLang="en-US" smtClean="0"/>
-              <a:t>2017/4/13</a:t>
+              <a:t>2017/4/27</a:t>
             </a:fld>
             <a:endParaRPr lang="zh-CN" altLang="en-US"/>
           </a:p>
@@ -1738,7 +1738,7 @@
           <a:p>
             <a:fld id="{8F71C47B-E2B0-42E0-9FD2-AF7EE24ADE77}" type="datetimeFigureOut">
               <a:rPr lang="zh-CN" altLang="en-US" smtClean="0"/>
-              <a:t>2017/4/13</a:t>
+              <a:t>2017/4/27</a:t>
             </a:fld>
             <a:endParaRPr lang="zh-CN" altLang="en-US"/>
           </a:p>
@@ -1833,7 +1833,7 @@
           <a:p>
             <a:fld id="{8F71C47B-E2B0-42E0-9FD2-AF7EE24ADE77}" type="datetimeFigureOut">
               <a:rPr lang="zh-CN" altLang="en-US" smtClean="0"/>
-              <a:t>2017/4/13</a:t>
+              <a:t>2017/4/27</a:t>
             </a:fld>
             <a:endParaRPr lang="zh-CN" altLang="en-US"/>
           </a:p>
@@ -2110,7 +2110,7 @@
           <a:p>
             <a:fld id="{8F71C47B-E2B0-42E0-9FD2-AF7EE24ADE77}" type="datetimeFigureOut">
               <a:rPr lang="zh-CN" altLang="en-US" smtClean="0"/>
-              <a:t>2017/4/13</a:t>
+              <a:t>2017/4/27</a:t>
             </a:fld>
             <a:endParaRPr lang="zh-CN" altLang="en-US"/>
           </a:p>
@@ -2363,7 +2363,7 @@
           <a:p>
             <a:fld id="{8F71C47B-E2B0-42E0-9FD2-AF7EE24ADE77}" type="datetimeFigureOut">
               <a:rPr lang="zh-CN" altLang="en-US" smtClean="0"/>
-              <a:t>2017/4/13</a:t>
+              <a:t>2017/4/27</a:t>
             </a:fld>
             <a:endParaRPr lang="zh-CN" altLang="en-US"/>
           </a:p>
@@ -2576,7 +2576,7 @@
           <a:p>
             <a:fld id="{8F71C47B-E2B0-42E0-9FD2-AF7EE24ADE77}" type="datetimeFigureOut">
               <a:rPr lang="zh-CN" altLang="en-US" smtClean="0"/>
-              <a:t>2017/4/13</a:t>
+              <a:t>2017/4/27</a:t>
             </a:fld>
             <a:endParaRPr lang="zh-CN" altLang="en-US"/>
           </a:p>
@@ -3697,8 +3697,8 @@
           </a:p>
         </p:txBody>
       </p:sp>
-      <mc:AlternateContent xmlns:mc="http://schemas.openxmlformats.org/markup-compatibility/2006" xmlns:a14="http://schemas.microsoft.com/office/drawing/2010/main">
-        <mc:Choice Requires="a14">
+      <mc:AlternateContent xmlns:mc="http://schemas.openxmlformats.org/markup-compatibility/2006">
+        <mc:Choice xmlns:a14="http://schemas.microsoft.com/office/drawing/2010/main" Requires="a14">
           <p:sp>
             <p:nvSpPr>
               <p:cNvPr id="3" name="内容占位符 2"/>
@@ -3930,7 +3930,7 @@
                                 <a:rPr lang="en-US" altLang="zh-CN" b="0" i="1" smtClean="0">
                                   <a:latin typeface="Cambria Math" panose="02040503050406030204" pitchFamily="18" charset="0"/>
                                 </a:rPr>
-                                <m:t>𝑈</m:t>
+                                <m:t>𝑢</m:t>
                               </m:r>
                             </m:sub>
                             <m:sup>
@@ -4165,7 +4165,7 @@
             </p:txBody>
           </p:sp>
         </mc:Choice>
-        <mc:Fallback xmlns="">
+        <mc:Fallback>
           <p:sp>
             <p:nvSpPr>
               <p:cNvPr id="3" name="内容占位符 2"/>
@@ -6483,8 +6483,8 @@
           </a:p>
         </p:txBody>
       </p:sp>
-      <mc:AlternateContent xmlns:mc="http://schemas.openxmlformats.org/markup-compatibility/2006">
-        <mc:Choice xmlns:a14="http://schemas.microsoft.com/office/drawing/2010/main" Requires="a14">
+      <mc:AlternateContent xmlns:mc="http://schemas.openxmlformats.org/markup-compatibility/2006" xmlns:a14="http://schemas.microsoft.com/office/drawing/2010/main">
+        <mc:Choice Requires="a14">
           <p:sp>
             <p:nvSpPr>
               <p:cNvPr id="3" name="内容占位符 2"/>
@@ -7006,7 +7006,7 @@
             </p:txBody>
           </p:sp>
         </mc:Choice>
-        <mc:Fallback>
+        <mc:Fallback xmlns="">
           <p:sp>
             <p:nvSpPr>
               <p:cNvPr id="3" name="内容占位符 2"/>
@@ -8598,8 +8598,8 @@
           </p:sp>
         </mc:Fallback>
       </mc:AlternateContent>
-      <mc:AlternateContent xmlns:mc="http://schemas.openxmlformats.org/markup-compatibility/2006">
-        <mc:Choice xmlns:a14="http://schemas.microsoft.com/office/drawing/2010/main" Requires="a14">
+      <mc:AlternateContent xmlns:mc="http://schemas.openxmlformats.org/markup-compatibility/2006" xmlns:a14="http://schemas.microsoft.com/office/drawing/2010/main">
+        <mc:Choice Requires="a14">
           <p:sp>
             <p:nvSpPr>
               <p:cNvPr id="16" name="矩形 15"/>
@@ -8658,7 +8658,7 @@
             </p:txBody>
           </p:sp>
         </mc:Choice>
-        <mc:Fallback>
+        <mc:Fallback xmlns="">
           <p:sp>
             <p:nvSpPr>
               <p:cNvPr id="16" name="矩形 15"/>
@@ -8730,8 +8730,8 @@
           <a:chExt cx="0" cy="0"/>
         </a:xfrm>
       </p:grpSpPr>
-      <mc:AlternateContent xmlns:mc="http://schemas.openxmlformats.org/markup-compatibility/2006">
-        <mc:Choice xmlns:a14="http://schemas.microsoft.com/office/drawing/2010/main" Requires="a14">
+      <mc:AlternateContent xmlns:mc="http://schemas.openxmlformats.org/markup-compatibility/2006" xmlns:a14="http://schemas.microsoft.com/office/drawing/2010/main">
+        <mc:Choice Requires="a14">
           <p:sp>
             <p:nvSpPr>
               <p:cNvPr id="3" name="内容占位符 2"/>
@@ -9015,7 +9015,7 @@
             </p:txBody>
           </p:sp>
         </mc:Choice>
-        <mc:Fallback>
+        <mc:Fallback xmlns="">
           <p:sp>
             <p:nvSpPr>
               <p:cNvPr id="3" name="内容占位符 2"/>
